--- a/Presentation/AaronSlides.pptx
+++ b/Presentation/AaronSlides.pptx
@@ -11,6 +11,8 @@
     <p:sldId id="259" r:id="rId5"/>
     <p:sldId id="260" r:id="rId6"/>
     <p:sldId id="261" r:id="rId7"/>
+    <p:sldId id="262" r:id="rId8"/>
+    <p:sldId id="263" r:id="rId9"/>
   </p:sldIdLst>
   <p:sldSz cx="9144000" cy="5143500" type="screen16x9"/>
   <p:notesSz cx="6858000" cy="9144000"/>
@@ -3320,31 +3322,6 @@
               <a:t>Categories besides other accounted for &gt;90% of offenses</a:t>
             </a:r>
           </a:p>
-          <a:p>
-            <a:pPr lvl="0"/>
-            <a:r>
-              <a:rPr b="1"/>
-              <a:t>Problem:</a:t>
-            </a:r>
-            <a:r>
-              <a:rPr/>
-              <a:t> This method can be extremely time-expensive with large training sets due to the nature of looping through each point, as I found out during data fitting</a:t>
-            </a:r>
-          </a:p>
-          <a:p>
-            <a:pPr lvl="1"/>
-            <a:r>
-              <a:rPr/>
-              <a:t>47,000+ training observations (for an 80-20 split)</a:t>
-            </a:r>
-          </a:p>
-          <a:p>
-            <a:pPr lvl="1"/>
-            <a:r>
-              <a:rPr/>
-              <a:t>2.75 hour runtime</a:t>
-            </a:r>
-          </a:p>
         </p:txBody>
       </p:sp>
     </p:spTree>
@@ -3353,6 +3330,101 @@
 </file>
 
 <file path=ppt/slides/slide4.xml><?xml version="1.0" encoding="utf-8"?>
+<p:sld xmlns:a="http://schemas.openxmlformats.org/drawingml/2006/main" xmlns:r="http://schemas.openxmlformats.org/officeDocument/2006/relationships" xmlns:p="http://schemas.openxmlformats.org/presentationml/2006/main">
+  <p:cSld>
+    <p:spTree>
+      <p:nvGrpSpPr>
+        <p:cNvPr id="1" name=""/>
+        <p:cNvGrpSpPr/>
+        <p:nvPr/>
+      </p:nvGrpSpPr>
+      <p:grpSpPr>
+        <a:xfrm>
+          <a:off x="0" y="0"/>
+          <a:ext cx="0" cy="0"/>
+          <a:chOff x="0" y="0"/>
+          <a:chExt cx="0" cy="0"/>
+        </a:xfrm>
+      </p:grpSpPr>
+      <p:sp>
+        <p:nvSpPr>
+          <p:cNvPr id="2" name="Title 1"/>
+          <p:cNvSpPr>
+            <a:spLocks noGrp="1"/>
+          </p:cNvSpPr>
+          <p:nvPr>
+            <p:ph type="title"/>
+          </p:nvPr>
+        </p:nvSpPr>
+        <p:spPr/>
+        <p:txBody>
+          <a:bodyPr/>
+          <a:lstStyle/>
+          <a:p>
+            <a:pPr lvl="0" indent="0" marL="0">
+              <a:buNone/>
+            </a:pPr>
+            <a:r>
+              <a:rPr/>
+              <a:t>Drawbacks/Issues</a:t>
+            </a:r>
+          </a:p>
+        </p:txBody>
+      </p:sp>
+      <p:sp>
+        <p:nvSpPr>
+          <p:cNvPr id="3" name="Content Placeholder 2"/>
+          <p:cNvSpPr>
+            <a:spLocks noGrp="1"/>
+          </p:cNvSpPr>
+          <p:nvPr>
+            <p:ph idx="1"/>
+          </p:nvPr>
+        </p:nvSpPr>
+        <p:spPr/>
+        <p:txBody>
+          <a:bodyPr/>
+          <a:lstStyle/>
+          <a:p>
+            <a:pPr lvl="0"/>
+            <a:r>
+              <a:rPr b="1"/>
+              <a:t>Problem:</a:t>
+            </a:r>
+            <a:r>
+              <a:rPr/>
+              <a:t> This method can be extremely time-expensive with large training sets due to the nature of looping through each point, as I found out during data fitting</a:t>
+            </a:r>
+          </a:p>
+          <a:p>
+            <a:pPr lvl="1"/>
+            <a:r>
+              <a:rPr/>
+              <a:t>47,000+ training observations (for an 80-20 split)</a:t>
+            </a:r>
+          </a:p>
+          <a:p>
+            <a:pPr lvl="1"/>
+            <a:r>
+              <a:rPr/>
+              <a:t>2.75 hour runtime</a:t>
+            </a:r>
+          </a:p>
+          <a:p>
+            <a:pPr lvl="0"/>
+            <a:r>
+              <a:rPr/>
+              <a:t>No variable selection or subset with KNN</a:t>
+            </a:r>
+          </a:p>
+        </p:txBody>
+      </p:sp>
+    </p:spTree>
+  </p:cSld>
+</p:sld>
+</file>
+
+<file path=ppt/slides/slide5.xml><?xml version="1.0" encoding="utf-8"?>
 <p:sld xmlns:a="http://schemas.openxmlformats.org/drawingml/2006/main" xmlns:r="http://schemas.openxmlformats.org/officeDocument/2006/relationships" xmlns:p="http://schemas.openxmlformats.org/presentationml/2006/main">
   <p:cSld>
     <p:spTree>
@@ -3485,83 +3557,6 @@
 </p:sld>
 </file>
 
-<file path=ppt/slides/slide5.xml><?xml version="1.0" encoding="utf-8"?>
-<p:sld xmlns:a="http://schemas.openxmlformats.org/drawingml/2006/main" xmlns:r="http://schemas.openxmlformats.org/officeDocument/2006/relationships" xmlns:p="http://schemas.openxmlformats.org/presentationml/2006/main">
-  <p:cSld>
-    <p:spTree>
-      <p:nvGrpSpPr>
-        <p:cNvPr id="1" name=""/>
-        <p:cNvGrpSpPr/>
-        <p:nvPr/>
-      </p:nvGrpSpPr>
-      <p:grpSpPr>
-        <a:xfrm>
-          <a:off x="0" y="0"/>
-          <a:ext cx="0" cy="0"/>
-          <a:chOff x="0" y="0"/>
-          <a:chExt cx="0" cy="0"/>
-        </a:xfrm>
-      </p:grpSpPr>
-      <p:sp>
-        <p:nvSpPr>
-          <p:cNvPr id="2" name="Title 1"/>
-          <p:cNvSpPr>
-            <a:spLocks noGrp="1"/>
-          </p:cNvSpPr>
-          <p:nvPr>
-            <p:ph type="title"/>
-          </p:nvPr>
-        </p:nvSpPr>
-        <p:spPr/>
-        <p:txBody>
-          <a:bodyPr/>
-          <a:lstStyle/>
-          <a:p>
-            <a:pPr lvl="0" indent="0" marL="0">
-              <a:buNone/>
-            </a:pPr>
-            <a:r>
-              <a:rPr/>
-              <a:t>KNN Model Performance</a:t>
-            </a:r>
-          </a:p>
-        </p:txBody>
-      </p:sp>
-      <p:pic>
-        <p:nvPicPr>
-          <p:cNvPr descr="AaronSlides_files/figure-pptx/knn_performance-1.png" id="0" name="Picture 1"/>
-          <p:cNvPicPr>
-            <a:picLocks noGrp="1" noChangeAspect="1"/>
-          </p:cNvPicPr>
-          <p:nvPr/>
-        </p:nvPicPr>
-        <p:blipFill>
-          <a:blip r:embed="rId2"/>
-          <a:stretch>
-            <a:fillRect/>
-          </a:stretch>
-        </p:blipFill>
-        <p:spPr bwMode="auto">
-          <a:xfrm>
-            <a:off x="2387600" y="1193800"/>
-            <a:ext cx="4356100" cy="3390900"/>
-          </a:xfrm>
-          <a:prstGeom prst="rect">
-            <a:avLst/>
-          </a:prstGeom>
-          <a:noFill/>
-          <a:ln w="9525">
-            <a:noFill/>
-            <a:headEnd/>
-            <a:tailEnd/>
-          </a:ln>
-        </p:spPr>
-      </p:pic>
-    </p:spTree>
-  </p:cSld>
-</p:sld>
-</file>
-
 <file path=ppt/slides/slide6.xml><?xml version="1.0" encoding="utf-8"?>
 <p:sld xmlns:a="http://schemas.openxmlformats.org/drawingml/2006/main" xmlns:r="http://schemas.openxmlformats.org/officeDocument/2006/relationships" xmlns:p="http://schemas.openxmlformats.org/presentationml/2006/main">
   <p:cSld>
@@ -3581,6 +3576,1346 @@
       </p:grpSpPr>
       <p:sp>
         <p:nvSpPr>
+          <p:cNvPr id="2" name="Title 1"/>
+          <p:cNvSpPr>
+            <a:spLocks noGrp="1"/>
+          </p:cNvSpPr>
+          <p:nvPr>
+            <p:ph type="title"/>
+          </p:nvPr>
+        </p:nvSpPr>
+        <p:spPr/>
+        <p:txBody>
+          <a:bodyPr/>
+          <a:lstStyle/>
+          <a:p>
+            <a:pPr lvl="0" indent="0" marL="0">
+              <a:buNone/>
+            </a:pPr>
+            <a:r>
+              <a:rPr/>
+              <a:t>KNN Model Performance</a:t>
+            </a:r>
+          </a:p>
+        </p:txBody>
+      </p:sp>
+      <p:graphicFrame>
+        <p:nvGraphicFramePr>
+          <p:cNvPr id="6" name="Content Placeholder 5"/>
+          <p:cNvGraphicFramePr>
+            <a:graphicFrameLocks noGrp="1"/>
+          </p:cNvGraphicFramePr>
+          <p:nvPr>
+            <p:ph idx="1"/>
+          </p:nvPr>
+        </p:nvGraphicFramePr>
+        <p:xfrm>
+          <a:off x="457200" y="1193800"/>
+          <a:ext cx="8229600" cy="3390900"/>
+        </p:xfrm>
+        <a:graphic>
+          <a:graphicData uri="http://schemas.openxmlformats.org/drawingml/2006/table">
+            <a:tbl>
+              <a:tblPr firstRow="1" bandRow="1">
+                <a:tableStyleId>{5C22544A-7EE6-4342-B048-85BDC9FD1C3A}</a:tableStyleId>
+              </a:tblPr>
+              <a:tblGrid>
+                <a:gridCol w="2057400"/>
+                <a:gridCol w="2057400"/>
+                <a:gridCol w="2057400"/>
+                <a:gridCol w="2057400"/>
+              </a:tblGrid>
+              <a:tr h="0">
+                <a:tc>
+                  <a:txBody>
+                    <a:bodyPr/>
+                    <a:lstStyle/>
+                    <a:p>
+                      <a:pPr lvl="0" indent="0" marL="0" algn="l">
+                        <a:buNone/>
+                      </a:pPr>
+                      <a:r>
+                        <a:rPr/>
+                        <a:t>Truth</a:t>
+                      </a:r>
+                    </a:p>
+                  </a:txBody>
+                  <a:tcPr/>
+                </a:tc>
+                <a:tc>
+                  <a:txBody>
+                    <a:bodyPr/>
+                    <a:lstStyle/>
+                    <a:p>
+                      <a:pPr lvl="0" indent="0" marL="0" algn="r">
+                        <a:buNone/>
+                      </a:pPr>
+                      <a:r>
+                        <a:rPr/>
+                        <a:t>total</a:t>
+                      </a:r>
+                    </a:p>
+                  </a:txBody>
+                  <a:tcPr/>
+                </a:tc>
+                <a:tc>
+                  <a:txBody>
+                    <a:bodyPr/>
+                    <a:lstStyle/>
+                    <a:p>
+                      <a:pPr lvl="0" indent="0" marL="0" algn="r">
+                        <a:buNone/>
+                      </a:pPr>
+                      <a:r>
+                        <a:rPr/>
+                        <a:t>correct</a:t>
+                      </a:r>
+                    </a:p>
+                  </a:txBody>
+                  <a:tcPr/>
+                </a:tc>
+                <a:tc>
+                  <a:txBody>
+                    <a:bodyPr/>
+                    <a:lstStyle/>
+                    <a:p>
+                      <a:pPr lvl="0" indent="0" marL="0" algn="r">
+                        <a:buNone/>
+                      </a:pPr>
+                      <a:r>
+                        <a:rPr/>
+                        <a:t>prop_correct</a:t>
+                      </a:r>
+                    </a:p>
+                  </a:txBody>
+                  <a:tcPr/>
+                </a:tc>
+              </a:tr>
+              <a:tr h="0">
+                <a:tc>
+                  <a:txBody>
+                    <a:bodyPr/>
+                    <a:lstStyle/>
+                    <a:p>
+                      <a:pPr lvl="0" indent="0" marL="0" algn="l">
+                        <a:buNone/>
+                      </a:pPr>
+                      <a:r>
+                        <a:rPr/>
+                        <a:t>BATTERY</a:t>
+                      </a:r>
+                    </a:p>
+                  </a:txBody>
+                </a:tc>
+                <a:tc>
+                  <a:txBody>
+                    <a:bodyPr/>
+                    <a:lstStyle/>
+                    <a:p>
+                      <a:pPr lvl="0" indent="0" marL="0" algn="r">
+                        <a:buNone/>
+                      </a:pPr>
+                      <a:r>
+                        <a:rPr/>
+                        <a:t>1234</a:t>
+                      </a:r>
+                    </a:p>
+                  </a:txBody>
+                </a:tc>
+                <a:tc>
+                  <a:txBody>
+                    <a:bodyPr/>
+                    <a:lstStyle/>
+                    <a:p>
+                      <a:pPr lvl="0" indent="0" marL="0" algn="r">
+                        <a:buNone/>
+                      </a:pPr>
+                      <a:r>
+                        <a:rPr/>
+                        <a:t>926</a:t>
+                      </a:r>
+                    </a:p>
+                  </a:txBody>
+                </a:tc>
+                <a:tc>
+                  <a:txBody>
+                    <a:bodyPr/>
+                    <a:lstStyle/>
+                    <a:p>
+                      <a:pPr lvl="0" indent="0" marL="0" algn="r">
+                        <a:buNone/>
+                      </a:pPr>
+                      <a:r>
+                        <a:rPr/>
+                        <a:t>0.750</a:t>
+                      </a:r>
+                    </a:p>
+                  </a:txBody>
+                </a:tc>
+              </a:tr>
+              <a:tr h="0">
+                <a:tc>
+                  <a:txBody>
+                    <a:bodyPr/>
+                    <a:lstStyle/>
+                    <a:p>
+                      <a:pPr lvl="0" indent="0" marL="0" algn="l">
+                        <a:buNone/>
+                      </a:pPr>
+                      <a:r>
+                        <a:rPr/>
+                        <a:t>BURGLARY</a:t>
+                      </a:r>
+                    </a:p>
+                  </a:txBody>
+                </a:tc>
+                <a:tc>
+                  <a:txBody>
+                    <a:bodyPr/>
+                    <a:lstStyle/>
+                    <a:p>
+                      <a:pPr lvl="0" indent="0" marL="0" algn="r">
+                        <a:buNone/>
+                      </a:pPr>
+                      <a:r>
+                        <a:rPr/>
+                        <a:t>877</a:t>
+                      </a:r>
+                    </a:p>
+                  </a:txBody>
+                </a:tc>
+                <a:tc>
+                  <a:txBody>
+                    <a:bodyPr/>
+                    <a:lstStyle/>
+                    <a:p>
+                      <a:pPr lvl="0" indent="0" marL="0" algn="r">
+                        <a:buNone/>
+                      </a:pPr>
+                      <a:r>
+                        <a:rPr/>
+                        <a:t>500</a:t>
+                      </a:r>
+                    </a:p>
+                  </a:txBody>
+                </a:tc>
+                <a:tc>
+                  <a:txBody>
+                    <a:bodyPr/>
+                    <a:lstStyle/>
+                    <a:p>
+                      <a:pPr lvl="0" indent="0" marL="0" algn="r">
+                        <a:buNone/>
+                      </a:pPr>
+                      <a:r>
+                        <a:rPr/>
+                        <a:t>0.570</a:t>
+                      </a:r>
+                    </a:p>
+                  </a:txBody>
+                </a:tc>
+              </a:tr>
+              <a:tr h="0">
+                <a:tc>
+                  <a:txBody>
+                    <a:bodyPr/>
+                    <a:lstStyle/>
+                    <a:p>
+                      <a:pPr lvl="0" indent="0" marL="0" algn="l">
+                        <a:buNone/>
+                      </a:pPr>
+                      <a:r>
+                        <a:rPr/>
+                        <a:t>DRUG MANUFACTURE</a:t>
+                      </a:r>
+                    </a:p>
+                  </a:txBody>
+                </a:tc>
+                <a:tc>
+                  <a:txBody>
+                    <a:bodyPr/>
+                    <a:lstStyle/>
+                    <a:p>
+                      <a:pPr lvl="0" indent="0" marL="0" algn="r">
+                        <a:buNone/>
+                      </a:pPr>
+                      <a:r>
+                        <a:rPr/>
+                        <a:t>485</a:t>
+                      </a:r>
+                    </a:p>
+                  </a:txBody>
+                </a:tc>
+                <a:tc>
+                  <a:txBody>
+                    <a:bodyPr/>
+                    <a:lstStyle/>
+                    <a:p>
+                      <a:pPr lvl="0" indent="0" marL="0" algn="r">
+                        <a:buNone/>
+                      </a:pPr>
+                      <a:r>
+                        <a:rPr/>
+                        <a:t>201</a:t>
+                      </a:r>
+                    </a:p>
+                  </a:txBody>
+                </a:tc>
+                <a:tc>
+                  <a:txBody>
+                    <a:bodyPr/>
+                    <a:lstStyle/>
+                    <a:p>
+                      <a:pPr lvl="0" indent="0" marL="0" algn="r">
+                        <a:buNone/>
+                      </a:pPr>
+                      <a:r>
+                        <a:rPr/>
+                        <a:t>0.414</a:t>
+                      </a:r>
+                    </a:p>
+                  </a:txBody>
+                </a:tc>
+              </a:tr>
+              <a:tr h="0">
+                <a:tc>
+                  <a:txBody>
+                    <a:bodyPr/>
+                    <a:lstStyle/>
+                    <a:p>
+                      <a:pPr lvl="0" indent="0" marL="0" algn="l">
+                        <a:buNone/>
+                      </a:pPr>
+                      <a:r>
+                        <a:rPr/>
+                        <a:t>DUI</a:t>
+                      </a:r>
+                    </a:p>
+                  </a:txBody>
+                </a:tc>
+                <a:tc>
+                  <a:txBody>
+                    <a:bodyPr/>
+                    <a:lstStyle/>
+                    <a:p>
+                      <a:pPr lvl="0" indent="0" marL="0" algn="r">
+                        <a:buNone/>
+                      </a:pPr>
+                      <a:r>
+                        <a:rPr/>
+                        <a:t>575</a:t>
+                      </a:r>
+                    </a:p>
+                  </a:txBody>
+                </a:tc>
+                <a:tc>
+                  <a:txBody>
+                    <a:bodyPr/>
+                    <a:lstStyle/>
+                    <a:p>
+                      <a:pPr lvl="0" indent="0" marL="0" algn="r">
+                        <a:buNone/>
+                      </a:pPr>
+                      <a:r>
+                        <a:rPr/>
+                        <a:t>213</a:t>
+                      </a:r>
+                    </a:p>
+                  </a:txBody>
+                </a:tc>
+                <a:tc>
+                  <a:txBody>
+                    <a:bodyPr/>
+                    <a:lstStyle/>
+                    <a:p>
+                      <a:pPr lvl="0" indent="0" marL="0" algn="r">
+                        <a:buNone/>
+                      </a:pPr>
+                      <a:r>
+                        <a:rPr/>
+                        <a:t>0.370</a:t>
+                      </a:r>
+                    </a:p>
+                  </a:txBody>
+                </a:tc>
+              </a:tr>
+              <a:tr h="0">
+                <a:tc>
+                  <a:txBody>
+                    <a:bodyPr/>
+                    <a:lstStyle/>
+                    <a:p>
+                      <a:pPr lvl="0" indent="0" marL="0" algn="l">
+                        <a:buNone/>
+                      </a:pPr>
+                      <a:r>
+                        <a:rPr/>
+                        <a:t>FORGERY</a:t>
+                      </a:r>
+                    </a:p>
+                  </a:txBody>
+                </a:tc>
+                <a:tc>
+                  <a:txBody>
+                    <a:bodyPr/>
+                    <a:lstStyle/>
+                    <a:p>
+                      <a:pPr lvl="0" indent="0" marL="0" algn="r">
+                        <a:buNone/>
+                      </a:pPr>
+                      <a:r>
+                        <a:rPr/>
+                        <a:t>68</a:t>
+                      </a:r>
+                    </a:p>
+                  </a:txBody>
+                </a:tc>
+                <a:tc>
+                  <a:txBody>
+                    <a:bodyPr/>
+                    <a:lstStyle/>
+                    <a:p>
+                      <a:pPr lvl="0" indent="0" marL="0" algn="r">
+                        <a:buNone/>
+                      </a:pPr>
+                      <a:r>
+                        <a:rPr/>
+                        <a:t>0</a:t>
+                      </a:r>
+                    </a:p>
+                  </a:txBody>
+                </a:tc>
+                <a:tc>
+                  <a:txBody>
+                    <a:bodyPr/>
+                    <a:lstStyle/>
+                    <a:p>
+                      <a:pPr lvl="0" indent="0" marL="0" algn="r">
+                        <a:buNone/>
+                      </a:pPr>
+                      <a:r>
+                        <a:rPr/>
+                        <a:t>0.000</a:t>
+                      </a:r>
+                    </a:p>
+                  </a:txBody>
+                </a:tc>
+              </a:tr>
+              <a:tr h="0">
+                <a:tc>
+                  <a:txBody>
+                    <a:bodyPr/>
+                    <a:lstStyle/>
+                    <a:p>
+                      <a:pPr lvl="0" indent="0" marL="0" algn="l">
+                        <a:buNone/>
+                      </a:pPr>
+                      <a:r>
+                        <a:rPr/>
+                        <a:t>HOME INVASION</a:t>
+                      </a:r>
+                    </a:p>
+                  </a:txBody>
+                </a:tc>
+                <a:tc>
+                  <a:txBody>
+                    <a:bodyPr/>
+                    <a:lstStyle/>
+                    <a:p>
+                      <a:pPr lvl="0" indent="0" marL="0" algn="r">
+                        <a:buNone/>
+                      </a:pPr>
+                      <a:r>
+                        <a:rPr/>
+                        <a:t>93</a:t>
+                      </a:r>
+                    </a:p>
+                  </a:txBody>
+                </a:tc>
+                <a:tc>
+                  <a:txBody>
+                    <a:bodyPr/>
+                    <a:lstStyle/>
+                    <a:p>
+                      <a:pPr lvl="0" indent="0" marL="0" algn="r">
+                        <a:buNone/>
+                      </a:pPr>
+                      <a:r>
+                        <a:rPr/>
+                        <a:t>7</a:t>
+                      </a:r>
+                    </a:p>
+                  </a:txBody>
+                </a:tc>
+                <a:tc>
+                  <a:txBody>
+                    <a:bodyPr/>
+                    <a:lstStyle/>
+                    <a:p>
+                      <a:pPr lvl="0" indent="0" marL="0" algn="r">
+                        <a:buNone/>
+                      </a:pPr>
+                      <a:r>
+                        <a:rPr/>
+                        <a:t>0.075</a:t>
+                      </a:r>
+                    </a:p>
+                  </a:txBody>
+                </a:tc>
+              </a:tr>
+              <a:tr h="0">
+                <a:tc>
+                  <a:txBody>
+                    <a:bodyPr/>
+                    <a:lstStyle/>
+                    <a:p>
+                      <a:pPr lvl="0" indent="0" marL="0" algn="l">
+                        <a:buNone/>
+                      </a:pPr>
+                      <a:r>
+                        <a:rPr/>
+                        <a:t>ILL. CONTR. SUBST. POSS</a:t>
+                      </a:r>
+                    </a:p>
+                  </a:txBody>
+                </a:tc>
+                <a:tc>
+                  <a:txBody>
+                    <a:bodyPr/>
+                    <a:lstStyle/>
+                    <a:p>
+                      <a:pPr lvl="0" indent="0" marL="0" algn="r">
+                        <a:buNone/>
+                      </a:pPr>
+                      <a:r>
+                        <a:rPr/>
+                        <a:t>1536</a:t>
+                      </a:r>
+                    </a:p>
+                  </a:txBody>
+                </a:tc>
+                <a:tc>
+                  <a:txBody>
+                    <a:bodyPr/>
+                    <a:lstStyle/>
+                    <a:p>
+                      <a:pPr lvl="0" indent="0" marL="0" algn="r">
+                        <a:buNone/>
+                      </a:pPr>
+                      <a:r>
+                        <a:rPr/>
+                        <a:t>1181</a:t>
+                      </a:r>
+                    </a:p>
+                  </a:txBody>
+                </a:tc>
+                <a:tc>
+                  <a:txBody>
+                    <a:bodyPr/>
+                    <a:lstStyle/>
+                    <a:p>
+                      <a:pPr lvl="0" indent="0" marL="0" algn="r">
+                        <a:buNone/>
+                      </a:pPr>
+                      <a:r>
+                        <a:rPr/>
+                        <a:t>0.769</a:t>
+                      </a:r>
+                    </a:p>
+                  </a:txBody>
+                </a:tc>
+              </a:tr>
+              <a:tr h="0">
+                <a:tc>
+                  <a:txBody>
+                    <a:bodyPr/>
+                    <a:lstStyle/>
+                    <a:p>
+                      <a:pPr lvl="0" indent="0" marL="0" algn="l">
+                        <a:buNone/>
+                      </a:pPr>
+                      <a:r>
+                        <a:rPr/>
+                        <a:t>ILLEGAL WEAPON USE/POSS</a:t>
+                      </a:r>
+                    </a:p>
+                  </a:txBody>
+                </a:tc>
+                <a:tc>
+                  <a:txBody>
+                    <a:bodyPr/>
+                    <a:lstStyle/>
+                    <a:p>
+                      <a:pPr lvl="0" indent="0" marL="0" algn="r">
+                        <a:buNone/>
+                      </a:pPr>
+                      <a:r>
+                        <a:rPr/>
+                        <a:t>1110</a:t>
+                      </a:r>
+                    </a:p>
+                  </a:txBody>
+                </a:tc>
+                <a:tc>
+                  <a:txBody>
+                    <a:bodyPr/>
+                    <a:lstStyle/>
+                    <a:p>
+                      <a:pPr lvl="0" indent="0" marL="0" algn="r">
+                        <a:buNone/>
+                      </a:pPr>
+                      <a:r>
+                        <a:rPr/>
+                        <a:t>818</a:t>
+                      </a:r>
+                    </a:p>
+                  </a:txBody>
+                </a:tc>
+                <a:tc>
+                  <a:txBody>
+                    <a:bodyPr/>
+                    <a:lstStyle/>
+                    <a:p>
+                      <a:pPr lvl="0" indent="0" marL="0" algn="r">
+                        <a:buNone/>
+                      </a:pPr>
+                      <a:r>
+                        <a:rPr/>
+                        <a:t>0.737</a:t>
+                      </a:r>
+                    </a:p>
+                  </a:txBody>
+                </a:tc>
+              </a:tr>
+              <a:tr h="0">
+                <a:tc>
+                  <a:txBody>
+                    <a:bodyPr/>
+                    <a:lstStyle/>
+                    <a:p>
+                      <a:pPr lvl="0" indent="0" marL="0" algn="l">
+                        <a:buNone/>
+                      </a:pPr>
+                      <a:r>
+                        <a:rPr/>
+                        <a:t>ILLEGAL/CHILD PORN</a:t>
+                      </a:r>
+                    </a:p>
+                  </a:txBody>
+                </a:tc>
+                <a:tc>
+                  <a:txBody>
+                    <a:bodyPr/>
+                    <a:lstStyle/>
+                    <a:p>
+                      <a:pPr lvl="0" indent="0" marL="0" algn="r">
+                        <a:buNone/>
+                      </a:pPr>
+                      <a:r>
+                        <a:rPr/>
+                        <a:t>51</a:t>
+                      </a:r>
+                    </a:p>
+                  </a:txBody>
+                </a:tc>
+                <a:tc>
+                  <a:txBody>
+                    <a:bodyPr/>
+                    <a:lstStyle/>
+                    <a:p>
+                      <a:pPr lvl="0" indent="0" marL="0" algn="r">
+                        <a:buNone/>
+                      </a:pPr>
+                      <a:r>
+                        <a:rPr/>
+                        <a:t>0</a:t>
+                      </a:r>
+                    </a:p>
+                  </a:txBody>
+                </a:tc>
+                <a:tc>
+                  <a:txBody>
+                    <a:bodyPr/>
+                    <a:lstStyle/>
+                    <a:p>
+                      <a:pPr lvl="0" indent="0" marL="0" algn="r">
+                        <a:buNone/>
+                      </a:pPr>
+                      <a:r>
+                        <a:rPr/>
+                        <a:t>0.000</a:t>
+                      </a:r>
+                    </a:p>
+                  </a:txBody>
+                </a:tc>
+              </a:tr>
+            </a:tbl>
+          </a:graphicData>
+        </a:graphic>
+      </p:graphicFrame>
+    </p:spTree>
+  </p:cSld>
+</p:sld>
+</file>
+
+<file path=ppt/slides/slide7.xml><?xml version="1.0" encoding="utf-8"?>
+<p:sld xmlns:a="http://schemas.openxmlformats.org/drawingml/2006/main" xmlns:r="http://schemas.openxmlformats.org/officeDocument/2006/relationships" xmlns:p="http://schemas.openxmlformats.org/presentationml/2006/main">
+  <p:cSld>
+    <p:spTree>
+      <p:nvGrpSpPr>
+        <p:cNvPr id="1" name=""/>
+        <p:cNvGrpSpPr/>
+        <p:nvPr/>
+      </p:nvGrpSpPr>
+      <p:grpSpPr>
+        <a:xfrm>
+          <a:off x="0" y="0"/>
+          <a:ext cx="0" cy="0"/>
+          <a:chOff x="0" y="0"/>
+          <a:chExt cx="0" cy="0"/>
+        </a:xfrm>
+      </p:grpSpPr>
+      <p:graphicFrame>
+        <p:nvGraphicFramePr>
+          <p:cNvPr id="6" name="Content Placeholder 5"/>
+          <p:cNvGraphicFramePr>
+            <a:graphicFrameLocks noGrp="1"/>
+          </p:cNvGraphicFramePr>
+          <p:nvPr>
+            <p:ph idx="1"/>
+          </p:nvPr>
+        </p:nvGraphicFramePr>
+        <p:xfrm>
+          <a:off x="457200" y="1193800"/>
+          <a:ext cx="8229600" cy="3390900"/>
+        </p:xfrm>
+        <a:graphic>
+          <a:graphicData uri="http://schemas.openxmlformats.org/drawingml/2006/table">
+            <a:tbl>
+              <a:tblPr firstRow="1" bandRow="1">
+                <a:tableStyleId>{5C22544A-7EE6-4342-B048-85BDC9FD1C3A}</a:tableStyleId>
+              </a:tblPr>
+              <a:tblGrid>
+                <a:gridCol w="2057400"/>
+                <a:gridCol w="2057400"/>
+                <a:gridCol w="2057400"/>
+                <a:gridCol w="2057400"/>
+              </a:tblGrid>
+              <a:tr h="0">
+                <a:tc>
+                  <a:txBody>
+                    <a:bodyPr/>
+                    <a:lstStyle/>
+                    <a:p>
+                      <a:pPr lvl="0" indent="0" marL="0" algn="l">
+                        <a:buNone/>
+                      </a:pPr>
+                      <a:r>
+                        <a:rPr/>
+                        <a:t>Truth</a:t>
+                      </a:r>
+                    </a:p>
+                  </a:txBody>
+                  <a:tcPr/>
+                </a:tc>
+                <a:tc>
+                  <a:txBody>
+                    <a:bodyPr/>
+                    <a:lstStyle/>
+                    <a:p>
+                      <a:pPr lvl="0" indent="0" marL="0" algn="r">
+                        <a:buNone/>
+                      </a:pPr>
+                      <a:r>
+                        <a:rPr/>
+                        <a:t>total</a:t>
+                      </a:r>
+                    </a:p>
+                  </a:txBody>
+                  <a:tcPr/>
+                </a:tc>
+                <a:tc>
+                  <a:txBody>
+                    <a:bodyPr/>
+                    <a:lstStyle/>
+                    <a:p>
+                      <a:pPr lvl="0" indent="0" marL="0" algn="r">
+                        <a:buNone/>
+                      </a:pPr>
+                      <a:r>
+                        <a:rPr/>
+                        <a:t>correct</a:t>
+                      </a:r>
+                    </a:p>
+                  </a:txBody>
+                  <a:tcPr/>
+                </a:tc>
+                <a:tc>
+                  <a:txBody>
+                    <a:bodyPr/>
+                    <a:lstStyle/>
+                    <a:p>
+                      <a:pPr lvl="0" indent="0" marL="0" algn="r">
+                        <a:buNone/>
+                      </a:pPr>
+                      <a:r>
+                        <a:rPr/>
+                        <a:t>prop_correct</a:t>
+                      </a:r>
+                    </a:p>
+                  </a:txBody>
+                  <a:tcPr/>
+                </a:tc>
+              </a:tr>
+              <a:tr h="0">
+                <a:tc>
+                  <a:txBody>
+                    <a:bodyPr/>
+                    <a:lstStyle/>
+                    <a:p>
+                      <a:pPr lvl="0" indent="0" marL="0" algn="l">
+                        <a:buNone/>
+                      </a:pPr>
+                      <a:r>
+                        <a:rPr/>
+                        <a:t>KIDNAPPING</a:t>
+                      </a:r>
+                    </a:p>
+                  </a:txBody>
+                </a:tc>
+                <a:tc>
+                  <a:txBody>
+                    <a:bodyPr/>
+                    <a:lstStyle/>
+                    <a:p>
+                      <a:pPr lvl="0" indent="0" marL="0" algn="r">
+                        <a:buNone/>
+                      </a:pPr>
+                      <a:r>
+                        <a:rPr/>
+                        <a:t>11</a:t>
+                      </a:r>
+                    </a:p>
+                  </a:txBody>
+                </a:tc>
+                <a:tc>
+                  <a:txBody>
+                    <a:bodyPr/>
+                    <a:lstStyle/>
+                    <a:p>
+                      <a:pPr lvl="0" indent="0" marL="0" algn="r">
+                        <a:buNone/>
+                      </a:pPr>
+                      <a:r>
+                        <a:rPr/>
+                        <a:t>1</a:t>
+                      </a:r>
+                    </a:p>
+                  </a:txBody>
+                </a:tc>
+                <a:tc>
+                  <a:txBody>
+                    <a:bodyPr/>
+                    <a:lstStyle/>
+                    <a:p>
+                      <a:pPr lvl="0" indent="0" marL="0" algn="r">
+                        <a:buNone/>
+                      </a:pPr>
+                      <a:r>
+                        <a:rPr/>
+                        <a:t>0.091</a:t>
+                      </a:r>
+                    </a:p>
+                  </a:txBody>
+                </a:tc>
+              </a:tr>
+              <a:tr h="0">
+                <a:tc>
+                  <a:txBody>
+                    <a:bodyPr/>
+                    <a:lstStyle/>
+                    <a:p>
+                      <a:pPr lvl="0" indent="0" marL="0" algn="l">
+                        <a:buNone/>
+                      </a:pPr>
+                      <a:r>
+                        <a:rPr/>
+                        <a:t>MURDER</a:t>
+                      </a:r>
+                    </a:p>
+                  </a:txBody>
+                </a:tc>
+                <a:tc>
+                  <a:txBody>
+                    <a:bodyPr/>
+                    <a:lstStyle/>
+                    <a:p>
+                      <a:pPr lvl="0" indent="0" marL="0" algn="r">
+                        <a:buNone/>
+                      </a:pPr>
+                      <a:r>
+                        <a:rPr/>
+                        <a:t>1359</a:t>
+                      </a:r>
+                    </a:p>
+                  </a:txBody>
+                </a:tc>
+                <a:tc>
+                  <a:txBody>
+                    <a:bodyPr/>
+                    <a:lstStyle/>
+                    <a:p>
+                      <a:pPr lvl="0" indent="0" marL="0" algn="r">
+                        <a:buNone/>
+                      </a:pPr>
+                      <a:r>
+                        <a:rPr/>
+                        <a:t>1242</a:t>
+                      </a:r>
+                    </a:p>
+                  </a:txBody>
+                </a:tc>
+                <a:tc>
+                  <a:txBody>
+                    <a:bodyPr/>
+                    <a:lstStyle/>
+                    <a:p>
+                      <a:pPr lvl="0" indent="0" marL="0" algn="r">
+                        <a:buNone/>
+                      </a:pPr>
+                      <a:r>
+                        <a:rPr/>
+                        <a:t>0.914</a:t>
+                      </a:r>
+                    </a:p>
+                  </a:txBody>
+                </a:tc>
+              </a:tr>
+              <a:tr h="0">
+                <a:tc>
+                  <a:txBody>
+                    <a:bodyPr/>
+                    <a:lstStyle/>
+                    <a:p>
+                      <a:pPr lvl="0" indent="0" marL="0" algn="l">
+                        <a:buNone/>
+                      </a:pPr>
+                      <a:r>
+                        <a:rPr/>
+                        <a:t>OBSTRUCTING JUSTICE</a:t>
+                      </a:r>
+                    </a:p>
+                  </a:txBody>
+                </a:tc>
+                <a:tc>
+                  <a:txBody>
+                    <a:bodyPr/>
+                    <a:lstStyle/>
+                    <a:p>
+                      <a:pPr lvl="0" indent="0" marL="0" algn="r">
+                        <a:buNone/>
+                      </a:pPr>
+                      <a:r>
+                        <a:rPr/>
+                        <a:t>112</a:t>
+                      </a:r>
+                    </a:p>
+                  </a:txBody>
+                </a:tc>
+                <a:tc>
+                  <a:txBody>
+                    <a:bodyPr/>
+                    <a:lstStyle/>
+                    <a:p>
+                      <a:pPr lvl="0" indent="0" marL="0" algn="r">
+                        <a:buNone/>
+                      </a:pPr>
+                      <a:r>
+                        <a:rPr/>
+                        <a:t>0</a:t>
+                      </a:r>
+                    </a:p>
+                  </a:txBody>
+                </a:tc>
+                <a:tc>
+                  <a:txBody>
+                    <a:bodyPr/>
+                    <a:lstStyle/>
+                    <a:p>
+                      <a:pPr lvl="0" indent="0" marL="0" algn="r">
+                        <a:buNone/>
+                      </a:pPr>
+                      <a:r>
+                        <a:rPr/>
+                        <a:t>0.000</a:t>
+                      </a:r>
+                    </a:p>
+                  </a:txBody>
+                </a:tc>
+              </a:tr>
+              <a:tr h="0">
+                <a:tc>
+                  <a:txBody>
+                    <a:bodyPr/>
+                    <a:lstStyle/>
+                    <a:p>
+                      <a:pPr lvl="0" indent="0" marL="0" algn="l">
+                        <a:buNone/>
+                      </a:pPr>
+                      <a:r>
+                        <a:rPr/>
+                        <a:t>OTHER</a:t>
+                      </a:r>
+                    </a:p>
+                  </a:txBody>
+                </a:tc>
+                <a:tc>
+                  <a:txBody>
+                    <a:bodyPr/>
+                    <a:lstStyle/>
+                    <a:p>
+                      <a:pPr lvl="0" indent="0" marL="0" algn="r">
+                        <a:buNone/>
+                      </a:pPr>
+                      <a:r>
+                        <a:rPr/>
+                        <a:t>1706</a:t>
+                      </a:r>
+                    </a:p>
+                  </a:txBody>
+                </a:tc>
+                <a:tc>
+                  <a:txBody>
+                    <a:bodyPr/>
+                    <a:lstStyle/>
+                    <a:p>
+                      <a:pPr lvl="0" indent="0" marL="0" algn="r">
+                        <a:buNone/>
+                      </a:pPr>
+                      <a:r>
+                        <a:rPr/>
+                        <a:t>854</a:t>
+                      </a:r>
+                    </a:p>
+                  </a:txBody>
+                </a:tc>
+                <a:tc>
+                  <a:txBody>
+                    <a:bodyPr/>
+                    <a:lstStyle/>
+                    <a:p>
+                      <a:pPr lvl="0" indent="0" marL="0" algn="r">
+                        <a:buNone/>
+                      </a:pPr>
+                      <a:r>
+                        <a:rPr/>
+                        <a:t>0.501</a:t>
+                      </a:r>
+                    </a:p>
+                  </a:txBody>
+                </a:tc>
+              </a:tr>
+              <a:tr h="0">
+                <a:tc>
+                  <a:txBody>
+                    <a:bodyPr/>
+                    <a:lstStyle/>
+                    <a:p>
+                      <a:pPr lvl="0" indent="0" marL="0" algn="l">
+                        <a:buNone/>
+                      </a:pPr>
+                      <a:r>
+                        <a:rPr/>
+                        <a:t>ROBBERY</a:t>
+                      </a:r>
+                    </a:p>
+                  </a:txBody>
+                </a:tc>
+                <a:tc>
+                  <a:txBody>
+                    <a:bodyPr/>
+                    <a:lstStyle/>
+                    <a:p>
+                      <a:pPr lvl="0" indent="0" marL="0" algn="r">
+                        <a:buNone/>
+                      </a:pPr>
+                      <a:r>
+                        <a:rPr/>
+                        <a:t>916</a:t>
+                      </a:r>
+                    </a:p>
+                  </a:txBody>
+                </a:tc>
+                <a:tc>
+                  <a:txBody>
+                    <a:bodyPr/>
+                    <a:lstStyle/>
+                    <a:p>
+                      <a:pPr lvl="0" indent="0" marL="0" algn="r">
+                        <a:buNone/>
+                      </a:pPr>
+                      <a:r>
+                        <a:rPr/>
+                        <a:t>555</a:t>
+                      </a:r>
+                    </a:p>
+                  </a:txBody>
+                </a:tc>
+                <a:tc>
+                  <a:txBody>
+                    <a:bodyPr/>
+                    <a:lstStyle/>
+                    <a:p>
+                      <a:pPr lvl="0" indent="0" marL="0" algn="r">
+                        <a:buNone/>
+                      </a:pPr>
+                      <a:r>
+                        <a:rPr/>
+                        <a:t>0.606</a:t>
+                      </a:r>
+                    </a:p>
+                  </a:txBody>
+                </a:tc>
+              </a:tr>
+              <a:tr h="0">
+                <a:tc>
+                  <a:txBody>
+                    <a:bodyPr/>
+                    <a:lstStyle/>
+                    <a:p>
+                      <a:pPr lvl="0" indent="0" marL="0" algn="l">
+                        <a:buNone/>
+                      </a:pPr>
+                      <a:r>
+                        <a:rPr/>
+                        <a:t>SEXUAL OFFENSE</a:t>
+                      </a:r>
+                    </a:p>
+                  </a:txBody>
+                </a:tc>
+                <a:tc>
+                  <a:txBody>
+                    <a:bodyPr/>
+                    <a:lstStyle/>
+                    <a:p>
+                      <a:pPr lvl="0" indent="0" marL="0" algn="r">
+                        <a:buNone/>
+                      </a:pPr>
+                      <a:r>
+                        <a:rPr/>
+                        <a:t>960</a:t>
+                      </a:r>
+                    </a:p>
+                  </a:txBody>
+                </a:tc>
+                <a:tc>
+                  <a:txBody>
+                    <a:bodyPr/>
+                    <a:lstStyle/>
+                    <a:p>
+                      <a:pPr lvl="0" indent="0" marL="0" algn="r">
+                        <a:buNone/>
+                      </a:pPr>
+                      <a:r>
+                        <a:rPr/>
+                        <a:t>691</a:t>
+                      </a:r>
+                    </a:p>
+                  </a:txBody>
+                </a:tc>
+                <a:tc>
+                  <a:txBody>
+                    <a:bodyPr/>
+                    <a:lstStyle/>
+                    <a:p>
+                      <a:pPr lvl="0" indent="0" marL="0" algn="r">
+                        <a:buNone/>
+                      </a:pPr>
+                      <a:r>
+                        <a:rPr/>
+                        <a:t>0.720</a:t>
+                      </a:r>
+                    </a:p>
+                  </a:txBody>
+                </a:tc>
+              </a:tr>
+              <a:tr h="0">
+                <a:tc>
+                  <a:txBody>
+                    <a:bodyPr/>
+                    <a:lstStyle/>
+                    <a:p>
+                      <a:pPr lvl="0" indent="0" marL="0" algn="l">
+                        <a:buNone/>
+                      </a:pPr>
+                      <a:r>
+                        <a:rPr/>
+                        <a:t>THEFT</a:t>
+                      </a:r>
+                    </a:p>
+                  </a:txBody>
+                </a:tc>
+                <a:tc>
+                  <a:txBody>
+                    <a:bodyPr/>
+                    <a:lstStyle/>
+                    <a:p>
+                      <a:pPr lvl="0" indent="0" marL="0" algn="r">
+                        <a:buNone/>
+                      </a:pPr>
+                      <a:r>
+                        <a:rPr/>
+                        <a:t>582</a:t>
+                      </a:r>
+                    </a:p>
+                  </a:txBody>
+                </a:tc>
+                <a:tc>
+                  <a:txBody>
+                    <a:bodyPr/>
+                    <a:lstStyle/>
+                    <a:p>
+                      <a:pPr lvl="0" indent="0" marL="0" algn="r">
+                        <a:buNone/>
+                      </a:pPr>
+                      <a:r>
+                        <a:rPr/>
+                        <a:t>185</a:t>
+                      </a:r>
+                    </a:p>
+                  </a:txBody>
+                </a:tc>
+                <a:tc>
+                  <a:txBody>
+                    <a:bodyPr/>
+                    <a:lstStyle/>
+                    <a:p>
+                      <a:pPr lvl="0" indent="0" marL="0" algn="r">
+                        <a:buNone/>
+                      </a:pPr>
+                      <a:r>
+                        <a:rPr/>
+                        <a:t>0.318</a:t>
+                      </a:r>
+                    </a:p>
+                  </a:txBody>
+                </a:tc>
+              </a:tr>
+              <a:tr h="0">
+                <a:tc>
+                  <a:txBody>
+                    <a:bodyPr/>
+                    <a:lstStyle/>
+                    <a:p>
+                      <a:pPr lvl="0" indent="0" marL="0" algn="l">
+                        <a:buNone/>
+                      </a:pPr>
+                      <a:r>
+                        <a:rPr/>
+                        <a:t>VEHICULAR HIJACKING/THEFT</a:t>
+                      </a:r>
+                    </a:p>
+                  </a:txBody>
+                </a:tc>
+                <a:tc>
+                  <a:txBody>
+                    <a:bodyPr/>
+                    <a:lstStyle/>
+                    <a:p>
+                      <a:pPr lvl="0" indent="0" marL="0" algn="r">
+                        <a:buNone/>
+                      </a:pPr>
+                      <a:r>
+                        <a:rPr/>
+                        <a:t>194</a:t>
+                      </a:r>
+                    </a:p>
+                  </a:txBody>
+                </a:tc>
+                <a:tc>
+                  <a:txBody>
+                    <a:bodyPr/>
+                    <a:lstStyle/>
+                    <a:p>
+                      <a:pPr lvl="0" indent="0" marL="0" algn="r">
+                        <a:buNone/>
+                      </a:pPr>
+                      <a:r>
+                        <a:rPr/>
+                        <a:t>17</a:t>
+                      </a:r>
+                    </a:p>
+                  </a:txBody>
+                </a:tc>
+                <a:tc>
+                  <a:txBody>
+                    <a:bodyPr/>
+                    <a:lstStyle/>
+                    <a:p>
+                      <a:pPr lvl="0" indent="0" marL="0" algn="r">
+                        <a:buNone/>
+                      </a:pPr>
+                      <a:r>
+                        <a:rPr/>
+                        <a:t>0.088</a:t>
+                      </a:r>
+                    </a:p>
+                  </a:txBody>
+                </a:tc>
+              </a:tr>
+            </a:tbl>
+          </a:graphicData>
+        </a:graphic>
+      </p:graphicFrame>
+    </p:spTree>
+  </p:cSld>
+</p:sld>
+</file>
+
+<file path=ppt/slides/slide8.xml><?xml version="1.0" encoding="utf-8"?>
+<p:sld xmlns:a="http://schemas.openxmlformats.org/drawingml/2006/main" xmlns:r="http://schemas.openxmlformats.org/officeDocument/2006/relationships" xmlns:p="http://schemas.openxmlformats.org/presentationml/2006/main">
+  <p:cSld>
+    <p:spTree>
+      <p:nvGrpSpPr>
+        <p:cNvPr id="1" name=""/>
+        <p:cNvGrpSpPr/>
+        <p:nvPr/>
+      </p:nvGrpSpPr>
+      <p:grpSpPr>
+        <a:xfrm>
+          <a:off x="0" y="0"/>
+          <a:ext cx="0" cy="0"/>
+          <a:chOff x="0" y="0"/>
+          <a:chExt cx="0" cy="0"/>
+        </a:xfrm>
+      </p:grpSpPr>
+      <p:sp>
+        <p:nvSpPr>
+          <p:cNvPr id="2" name="Title 1"/>
+          <p:cNvSpPr>
+            <a:spLocks noGrp="1"/>
+          </p:cNvSpPr>
+          <p:nvPr>
+            <p:ph type="title"/>
+          </p:nvPr>
+        </p:nvSpPr>
+        <p:spPr/>
+        <p:txBody>
+          <a:bodyPr/>
+          <a:lstStyle/>
+          <a:p>
+            <a:pPr lvl="0" indent="0" marL="0">
+              <a:buNone/>
+            </a:pPr>
+            <a:r>
+              <a:rPr/>
+              <a:t>KNN Model Analysis</a:t>
+            </a:r>
+          </a:p>
+        </p:txBody>
+      </p:sp>
+      <p:sp>
+        <p:nvSpPr>
           <p:cNvPr id="3" name="Content Placeholder 2"/>
           <p:cNvSpPr>
             <a:spLocks noGrp="1"/>
@@ -3594,21 +4929,10 @@
           <a:bodyPr/>
           <a:lstStyle/>
           <a:p>
-            <a:pPr lvl="0" indent="0">
-              <a:buNone/>
-            </a:pPr>
-            <a:r>
-              <a:rPr>
-                <a:latin typeface="Courier"/>
-              </a:rPr>
-              <a:t>[1] "KNN Test Error for predicting offense category: 0.377"</a:t>
-            </a:r>
-          </a:p>
-          <a:p>
             <a:pPr lvl="0"/>
             <a:r>
               <a:rPr/>
-              <a:t>Test error rate seems high on the surface (almost 50%)</a:t>
+              <a:t>Test error rate seems high on the surface (almost 40%)</a:t>
             </a:r>
           </a:p>
           <a:p>
@@ -3622,14 +4946,28 @@
             <a:pPr lvl="2"/>
             <a:r>
               <a:rPr/>
-              <a:t>Expected error rate with 17 prediction categories, if randomly guessing: ~94.12%</a:t>
-            </a:r>
-          </a:p>
-          <a:p>
-            <a:pPr lvl="2"/>
+              <a:t>Expected guessing error w/ 17 prediction categories: ~94.12%</a:t>
+            </a:r>
+          </a:p>
+          <a:p>
+            <a:pPr lvl="0"/>
             <a:r>
               <a:rPr/>
-              <a:t>Reduction in error, from this sense, by almost half</a:t>
+              <a:t>Predictive accuracy was significantly better in categories with more observations (e.g., battery, illegal weapon use/possession, murder) than categories with few observations (e.g., vehicular hijacking/theft, forgery).</a:t>
+            </a:r>
+          </a:p>
+          <a:p>
+            <a:pPr lvl="1"/>
+            <a:r>
+              <a:rPr/>
+              <a:t>Only exceptions: drug manufacturing, theft (&lt; 45% accuracy).</a:t>
+            </a:r>
+          </a:p>
+          <a:p>
+            <a:pPr lvl="0"/>
+            <a:r>
+              <a:rPr/>
+              <a:t>Interpretation: more variability in predictor means for lower level offenses</a:t>
             </a:r>
           </a:p>
         </p:txBody>
